--- a/Resource/Infra, Micro Service, MicroService Architecture.pptx
+++ b/Resource/Infra, Micro Service, MicroService Architecture.pptx
@@ -6,6 +6,7 @@
   </p:sldMasterIdLst>
   <p:sldIdLst>
     <p:sldId id="256" r:id="rId2"/>
+    <p:sldId id="257" r:id="rId3"/>
   </p:sldIdLst>
   <p:sldSz cx="12192000" cy="6858000"/>
   <p:notesSz cx="6858000" cy="9144000"/>
@@ -104,6 +105,11 @@
       </a:defRPr>
     </a:lvl9pPr>
   </p:defaultTextStyle>
+  <p:extLst>
+    <p:ext uri="{EFAFB233-063F-42B5-8137-9DF3F51BA10A}">
+      <p15:sldGuideLst xmlns:p15="http://schemas.microsoft.com/office/powerpoint/2012/main"/>
+    </p:ext>
+  </p:extLst>
 </p:presentation>
 </file>
 
@@ -254,7 +260,7 @@
           <a:p>
             <a:fld id="{69FD9645-5409-4720-A9A5-51589F671A76}" type="datetimeFigureOut">
               <a:rPr lang="ko-KR" altLang="en-US" smtClean="0"/>
-              <a:t>2025-05-16</a:t>
+              <a:t>2025-05-17</a:t>
             </a:fld>
             <a:endParaRPr lang="ko-KR" altLang="en-US"/>
           </a:p>
@@ -452,7 +458,7 @@
           <a:p>
             <a:fld id="{69FD9645-5409-4720-A9A5-51589F671A76}" type="datetimeFigureOut">
               <a:rPr lang="ko-KR" altLang="en-US" smtClean="0"/>
-              <a:t>2025-05-16</a:t>
+              <a:t>2025-05-17</a:t>
             </a:fld>
             <a:endParaRPr lang="ko-KR" altLang="en-US"/>
           </a:p>
@@ -660,7 +666,7 @@
           <a:p>
             <a:fld id="{69FD9645-5409-4720-A9A5-51589F671A76}" type="datetimeFigureOut">
               <a:rPr lang="ko-KR" altLang="en-US" smtClean="0"/>
-              <a:t>2025-05-16</a:t>
+              <a:t>2025-05-17</a:t>
             </a:fld>
             <a:endParaRPr lang="ko-KR" altLang="en-US"/>
           </a:p>
@@ -858,7 +864,7 @@
           <a:p>
             <a:fld id="{69FD9645-5409-4720-A9A5-51589F671A76}" type="datetimeFigureOut">
               <a:rPr lang="ko-KR" altLang="en-US" smtClean="0"/>
-              <a:t>2025-05-16</a:t>
+              <a:t>2025-05-17</a:t>
             </a:fld>
             <a:endParaRPr lang="ko-KR" altLang="en-US"/>
           </a:p>
@@ -1133,7 +1139,7 @@
           <a:p>
             <a:fld id="{69FD9645-5409-4720-A9A5-51589F671A76}" type="datetimeFigureOut">
               <a:rPr lang="ko-KR" altLang="en-US" smtClean="0"/>
-              <a:t>2025-05-16</a:t>
+              <a:t>2025-05-17</a:t>
             </a:fld>
             <a:endParaRPr lang="ko-KR" altLang="en-US"/>
           </a:p>
@@ -1398,7 +1404,7 @@
           <a:p>
             <a:fld id="{69FD9645-5409-4720-A9A5-51589F671A76}" type="datetimeFigureOut">
               <a:rPr lang="ko-KR" altLang="en-US" smtClean="0"/>
-              <a:t>2025-05-16</a:t>
+              <a:t>2025-05-17</a:t>
             </a:fld>
             <a:endParaRPr lang="ko-KR" altLang="en-US"/>
           </a:p>
@@ -1810,7 +1816,7 @@
           <a:p>
             <a:fld id="{69FD9645-5409-4720-A9A5-51589F671A76}" type="datetimeFigureOut">
               <a:rPr lang="ko-KR" altLang="en-US" smtClean="0"/>
-              <a:t>2025-05-16</a:t>
+              <a:t>2025-05-17</a:t>
             </a:fld>
             <a:endParaRPr lang="ko-KR" altLang="en-US"/>
           </a:p>
@@ -1951,7 +1957,7 @@
           <a:p>
             <a:fld id="{69FD9645-5409-4720-A9A5-51589F671A76}" type="datetimeFigureOut">
               <a:rPr lang="ko-KR" altLang="en-US" smtClean="0"/>
-              <a:t>2025-05-16</a:t>
+              <a:t>2025-05-17</a:t>
             </a:fld>
             <a:endParaRPr lang="ko-KR" altLang="en-US"/>
           </a:p>
@@ -2064,7 +2070,7 @@
           <a:p>
             <a:fld id="{69FD9645-5409-4720-A9A5-51589F671A76}" type="datetimeFigureOut">
               <a:rPr lang="ko-KR" altLang="en-US" smtClean="0"/>
-              <a:t>2025-05-16</a:t>
+              <a:t>2025-05-17</a:t>
             </a:fld>
             <a:endParaRPr lang="ko-KR" altLang="en-US"/>
           </a:p>
@@ -2375,7 +2381,7 @@
           <a:p>
             <a:fld id="{69FD9645-5409-4720-A9A5-51589F671A76}" type="datetimeFigureOut">
               <a:rPr lang="ko-KR" altLang="en-US" smtClean="0"/>
-              <a:t>2025-05-16</a:t>
+              <a:t>2025-05-17</a:t>
             </a:fld>
             <a:endParaRPr lang="ko-KR" altLang="en-US"/>
           </a:p>
@@ -2663,7 +2669,7 @@
           <a:p>
             <a:fld id="{69FD9645-5409-4720-A9A5-51589F671A76}" type="datetimeFigureOut">
               <a:rPr lang="ko-KR" altLang="en-US" smtClean="0"/>
-              <a:t>2025-05-16</a:t>
+              <a:t>2025-05-17</a:t>
             </a:fld>
             <a:endParaRPr lang="ko-KR" altLang="en-US"/>
           </a:p>
@@ -2904,7 +2910,7 @@
           <a:p>
             <a:fld id="{69FD9645-5409-4720-A9A5-51589F671A76}" type="datetimeFigureOut">
               <a:rPr lang="ko-KR" altLang="en-US" smtClean="0"/>
-              <a:t>2025-05-16</a:t>
+              <a:t>2025-05-17</a:t>
             </a:fld>
             <a:endParaRPr lang="ko-KR" altLang="en-US"/>
           </a:p>
@@ -4854,6 +4860,936 @@
 </p:sld>
 </file>
 
+<file path=ppt/slides/slide2.xml><?xml version="1.0" encoding="utf-8"?>
+<p:sld xmlns:a="http://schemas.openxmlformats.org/drawingml/2006/main" xmlns:r="http://schemas.openxmlformats.org/officeDocument/2006/relationships" xmlns:p="http://schemas.openxmlformats.org/presentationml/2006/main">
+  <p:cSld>
+    <p:spTree>
+      <p:nvGrpSpPr>
+        <p:cNvPr id="1" name=""/>
+        <p:cNvGrpSpPr/>
+        <p:nvPr/>
+      </p:nvGrpSpPr>
+      <p:grpSpPr>
+        <a:xfrm>
+          <a:off x="0" y="0"/>
+          <a:ext cx="0" cy="0"/>
+          <a:chOff x="0" y="0"/>
+          <a:chExt cx="0" cy="0"/>
+        </a:xfrm>
+      </p:grpSpPr>
+      <p:sp>
+        <p:nvSpPr>
+          <p:cNvPr id="4" name="TextBox 3">
+            <a:extLst>
+              <a:ext uri="{FF2B5EF4-FFF2-40B4-BE49-F238E27FC236}">
+                <a16:creationId xmlns:a16="http://schemas.microsoft.com/office/drawing/2014/main" id="{75F492C5-C176-E92A-78E8-2560E2FF1BB5}"/>
+              </a:ext>
+            </a:extLst>
+          </p:cNvPr>
+          <p:cNvSpPr txBox="1"/>
+          <p:nvPr/>
+        </p:nvSpPr>
+        <p:spPr>
+          <a:xfrm>
+            <a:off x="3570348" y="1967346"/>
+            <a:ext cx="1255473" cy="2503054"/>
+          </a:xfrm>
+          <a:prstGeom prst="rect">
+            <a:avLst/>
+          </a:prstGeom>
+          <a:noFill/>
+          <a:ln>
+            <a:solidFill>
+              <a:schemeClr val="accent1"/>
+            </a:solidFill>
+          </a:ln>
+        </p:spPr>
+        <p:txBody>
+          <a:bodyPr wrap="square" rtlCol="0" anchor="t">
+            <a:noAutofit/>
+          </a:bodyPr>
+          <a:lstStyle/>
+          <a:p>
+            <a:pPr algn="ctr"/>
+            <a:r>
+              <a:rPr lang="ko-KR" altLang="en-US" sz="900" dirty="0"/>
+              <a:t>서비스 </a:t>
+            </a:r>
+            <a:r>
+              <a:rPr lang="en-US" altLang="ko-KR" sz="900" dirty="0"/>
+              <a:t>A</a:t>
+            </a:r>
+          </a:p>
+        </p:txBody>
+      </p:sp>
+      <p:sp>
+        <p:nvSpPr>
+          <p:cNvPr id="6" name="TextBox 5">
+            <a:extLst>
+              <a:ext uri="{FF2B5EF4-FFF2-40B4-BE49-F238E27FC236}">
+                <a16:creationId xmlns:a16="http://schemas.microsoft.com/office/drawing/2014/main" id="{65021B15-8BC1-52E1-A267-64F274C0345C}"/>
+              </a:ext>
+            </a:extLst>
+          </p:cNvPr>
+          <p:cNvSpPr txBox="1"/>
+          <p:nvPr/>
+        </p:nvSpPr>
+        <p:spPr>
+          <a:xfrm>
+            <a:off x="3703782" y="2432902"/>
+            <a:ext cx="979054" cy="278035"/>
+          </a:xfrm>
+          <a:prstGeom prst="rect">
+            <a:avLst/>
+          </a:prstGeom>
+          <a:noFill/>
+          <a:ln>
+            <a:solidFill>
+              <a:schemeClr val="accent1"/>
+            </a:solidFill>
+          </a:ln>
+        </p:spPr>
+        <p:txBody>
+          <a:bodyPr wrap="square" rtlCol="0" anchor="ctr">
+            <a:noAutofit/>
+          </a:bodyPr>
+          <a:lstStyle/>
+          <a:p>
+            <a:pPr algn="ctr"/>
+            <a:r>
+              <a:rPr lang="ko-KR" altLang="en-US" sz="700" dirty="0"/>
+              <a:t>질의</a:t>
+            </a:r>
+            <a:endParaRPr lang="en-US" altLang="ko-KR" sz="700" dirty="0"/>
+          </a:p>
+        </p:txBody>
+      </p:sp>
+      <p:sp>
+        <p:nvSpPr>
+          <p:cNvPr id="7" name="TextBox 6">
+            <a:extLst>
+              <a:ext uri="{FF2B5EF4-FFF2-40B4-BE49-F238E27FC236}">
+                <a16:creationId xmlns:a16="http://schemas.microsoft.com/office/drawing/2014/main" id="{7DC61933-A2B7-3624-1128-0FDBADA5727F}"/>
+              </a:ext>
+            </a:extLst>
+          </p:cNvPr>
+          <p:cNvSpPr txBox="1"/>
+          <p:nvPr/>
+        </p:nvSpPr>
+        <p:spPr>
+          <a:xfrm>
+            <a:off x="3703782" y="2809697"/>
+            <a:ext cx="979054" cy="278035"/>
+          </a:xfrm>
+          <a:prstGeom prst="rect">
+            <a:avLst/>
+          </a:prstGeom>
+          <a:noFill/>
+          <a:ln>
+            <a:solidFill>
+              <a:schemeClr val="accent1"/>
+            </a:solidFill>
+          </a:ln>
+        </p:spPr>
+        <p:txBody>
+          <a:bodyPr wrap="square" rtlCol="0" anchor="ctr">
+            <a:noAutofit/>
+          </a:bodyPr>
+          <a:lstStyle/>
+          <a:p>
+            <a:pPr algn="ctr"/>
+            <a:r>
+              <a:rPr lang="ko-KR" altLang="en-US" sz="700" dirty="0"/>
+              <a:t>이벤트 </a:t>
+            </a:r>
+            <a:r>
+              <a:rPr lang="ko-KR" altLang="en-US" sz="700" dirty="0" err="1"/>
+              <a:t>핸들러</a:t>
+            </a:r>
+            <a:endParaRPr lang="en-US" altLang="ko-KR" sz="700" dirty="0"/>
+          </a:p>
+        </p:txBody>
+      </p:sp>
+      <p:sp>
+        <p:nvSpPr>
+          <p:cNvPr id="12" name="TextBox 11">
+            <a:extLst>
+              <a:ext uri="{FF2B5EF4-FFF2-40B4-BE49-F238E27FC236}">
+                <a16:creationId xmlns:a16="http://schemas.microsoft.com/office/drawing/2014/main" id="{4480C889-A7D2-914F-8B4B-6E602F198000}"/>
+              </a:ext>
+            </a:extLst>
+          </p:cNvPr>
+          <p:cNvSpPr txBox="1"/>
+          <p:nvPr/>
+        </p:nvSpPr>
+        <p:spPr>
+          <a:xfrm>
+            <a:off x="3703782" y="3868181"/>
+            <a:ext cx="979054" cy="278035"/>
+          </a:xfrm>
+          <a:prstGeom prst="rect">
+            <a:avLst/>
+          </a:prstGeom>
+          <a:noFill/>
+          <a:ln>
+            <a:solidFill>
+              <a:schemeClr val="accent1"/>
+            </a:solidFill>
+          </a:ln>
+        </p:spPr>
+        <p:txBody>
+          <a:bodyPr wrap="square" rtlCol="0" anchor="ctr">
+            <a:noAutofit/>
+          </a:bodyPr>
+          <a:lstStyle/>
+          <a:p>
+            <a:pPr algn="ctr"/>
+            <a:r>
+              <a:rPr lang="ko-KR" altLang="en-US" sz="700" dirty="0"/>
+              <a:t>커맨드</a:t>
+            </a:r>
+            <a:endParaRPr lang="en-US" altLang="ko-KR" sz="700" dirty="0"/>
+          </a:p>
+        </p:txBody>
+      </p:sp>
+      <p:sp>
+        <p:nvSpPr>
+          <p:cNvPr id="13" name="타원 12">
+            <a:extLst>
+              <a:ext uri="{FF2B5EF4-FFF2-40B4-BE49-F238E27FC236}">
+                <a16:creationId xmlns:a16="http://schemas.microsoft.com/office/drawing/2014/main" id="{653890E7-6A4A-003F-BA80-1F40CC33DBF0}"/>
+              </a:ext>
+            </a:extLst>
+          </p:cNvPr>
+          <p:cNvSpPr/>
+          <p:nvPr/>
+        </p:nvSpPr>
+        <p:spPr>
+          <a:xfrm>
+            <a:off x="3860800" y="3339863"/>
+            <a:ext cx="278035" cy="278035"/>
+          </a:xfrm>
+          <a:prstGeom prst="ellipse">
+            <a:avLst/>
+          </a:prstGeom>
+          <a:noFill/>
+        </p:spPr>
+        <p:style>
+          <a:lnRef idx="2">
+            <a:schemeClr val="accent1">
+              <a:shade val="15000"/>
+            </a:schemeClr>
+          </a:lnRef>
+          <a:fillRef idx="1">
+            <a:schemeClr val="accent1"/>
+          </a:fillRef>
+          <a:effectRef idx="0">
+            <a:schemeClr val="accent1"/>
+          </a:effectRef>
+          <a:fontRef idx="minor">
+            <a:schemeClr val="lt1"/>
+          </a:fontRef>
+        </p:style>
+        <p:txBody>
+          <a:bodyPr rtlCol="0" anchor="ctr"/>
+          <a:lstStyle/>
+          <a:p>
+            <a:pPr algn="ctr"/>
+            <a:r>
+              <a:rPr lang="ko-KR" altLang="en-US" sz="500" dirty="0">
+                <a:solidFill>
+                  <a:schemeClr val="tx1"/>
+                </a:solidFill>
+              </a:rPr>
+              <a:t>이벤트</a:t>
+            </a:r>
+          </a:p>
+        </p:txBody>
+      </p:sp>
+      <p:cxnSp>
+        <p:nvCxnSpPr>
+          <p:cNvPr id="18" name="연결선: 꺾임 17">
+            <a:extLst>
+              <a:ext uri="{FF2B5EF4-FFF2-40B4-BE49-F238E27FC236}">
+                <a16:creationId xmlns:a16="http://schemas.microsoft.com/office/drawing/2014/main" id="{11E71881-F4DC-014A-9316-038684A3B51D}"/>
+              </a:ext>
+            </a:extLst>
+          </p:cNvPr>
+          <p:cNvCxnSpPr>
+            <a:stCxn id="12" idx="0"/>
+            <a:endCxn id="13" idx="4"/>
+          </p:cNvCxnSpPr>
+          <p:nvPr/>
+        </p:nvCxnSpPr>
+        <p:spPr>
+          <a:xfrm rot="16200000" flipV="1">
+            <a:off x="3971423" y="3646294"/>
+            <a:ext cx="250283" cy="193491"/>
+          </a:xfrm>
+          <a:prstGeom prst="bentConnector3">
+            <a:avLst/>
+          </a:prstGeom>
+          <a:ln>
+            <a:tailEnd type="triangle"/>
+          </a:ln>
+        </p:spPr>
+        <p:style>
+          <a:lnRef idx="1">
+            <a:schemeClr val="accent1"/>
+          </a:lnRef>
+          <a:fillRef idx="0">
+            <a:schemeClr val="accent1"/>
+          </a:fillRef>
+          <a:effectRef idx="0">
+            <a:schemeClr val="accent1"/>
+          </a:effectRef>
+          <a:fontRef idx="minor">
+            <a:schemeClr val="tx1"/>
+          </a:fontRef>
+        </p:style>
+      </p:cxnSp>
+      <p:cxnSp>
+        <p:nvCxnSpPr>
+          <p:cNvPr id="19" name="연결선: 꺾임 18">
+            <a:extLst>
+              <a:ext uri="{FF2B5EF4-FFF2-40B4-BE49-F238E27FC236}">
+                <a16:creationId xmlns:a16="http://schemas.microsoft.com/office/drawing/2014/main" id="{E2A3EA77-21A3-BF0F-FC07-3E94BEF1983E}"/>
+              </a:ext>
+            </a:extLst>
+          </p:cNvPr>
+          <p:cNvCxnSpPr>
+            <a:cxnSpLocks/>
+            <a:stCxn id="13" idx="0"/>
+            <a:endCxn id="7" idx="2"/>
+          </p:cNvCxnSpPr>
+          <p:nvPr/>
+        </p:nvCxnSpPr>
+        <p:spPr>
+          <a:xfrm rot="5400000" flipH="1" flipV="1">
+            <a:off x="3970498" y="3117053"/>
+            <a:ext cx="252131" cy="193491"/>
+          </a:xfrm>
+          <a:prstGeom prst="bentConnector3">
+            <a:avLst/>
+          </a:prstGeom>
+          <a:ln>
+            <a:tailEnd type="triangle"/>
+          </a:ln>
+        </p:spPr>
+        <p:style>
+          <a:lnRef idx="1">
+            <a:schemeClr val="accent1"/>
+          </a:lnRef>
+          <a:fillRef idx="0">
+            <a:schemeClr val="accent1"/>
+          </a:fillRef>
+          <a:effectRef idx="0">
+            <a:schemeClr val="accent1"/>
+          </a:effectRef>
+          <a:fontRef idx="minor">
+            <a:schemeClr val="tx1"/>
+          </a:fontRef>
+        </p:style>
+      </p:cxnSp>
+      <p:sp>
+        <p:nvSpPr>
+          <p:cNvPr id="23" name="구름 22">
+            <a:extLst>
+              <a:ext uri="{FF2B5EF4-FFF2-40B4-BE49-F238E27FC236}">
+                <a16:creationId xmlns:a16="http://schemas.microsoft.com/office/drawing/2014/main" id="{2220E054-7A39-3729-62D0-239BFFCB42D6}"/>
+              </a:ext>
+            </a:extLst>
+          </p:cNvPr>
+          <p:cNvSpPr/>
+          <p:nvPr/>
+        </p:nvSpPr>
+        <p:spPr>
+          <a:xfrm>
+            <a:off x="1644073" y="2327564"/>
+            <a:ext cx="674254" cy="482133"/>
+          </a:xfrm>
+          <a:prstGeom prst="cloud">
+            <a:avLst/>
+          </a:prstGeom>
+          <a:noFill/>
+        </p:spPr>
+        <p:style>
+          <a:lnRef idx="2">
+            <a:schemeClr val="accent1">
+              <a:shade val="15000"/>
+            </a:schemeClr>
+          </a:lnRef>
+          <a:fillRef idx="1">
+            <a:schemeClr val="accent1"/>
+          </a:fillRef>
+          <a:effectRef idx="0">
+            <a:schemeClr val="accent1"/>
+          </a:effectRef>
+          <a:fontRef idx="minor">
+            <a:schemeClr val="lt1"/>
+          </a:fontRef>
+        </p:style>
+        <p:txBody>
+          <a:bodyPr rtlCol="0" anchor="ctr"/>
+          <a:lstStyle/>
+          <a:p>
+            <a:pPr algn="ctr"/>
+            <a:r>
+              <a:rPr lang="ko-KR" altLang="en-US" sz="800" dirty="0">
+                <a:solidFill>
+                  <a:schemeClr val="tx1"/>
+                </a:solidFill>
+              </a:rPr>
+              <a:t>읽기</a:t>
+            </a:r>
+          </a:p>
+        </p:txBody>
+      </p:sp>
+      <p:sp>
+        <p:nvSpPr>
+          <p:cNvPr id="25" name="구름 24">
+            <a:extLst>
+              <a:ext uri="{FF2B5EF4-FFF2-40B4-BE49-F238E27FC236}">
+                <a16:creationId xmlns:a16="http://schemas.microsoft.com/office/drawing/2014/main" id="{2829E5E5-F8A3-2722-5FC4-EF1D1AFAA32D}"/>
+              </a:ext>
+            </a:extLst>
+          </p:cNvPr>
+          <p:cNvSpPr/>
+          <p:nvPr/>
+        </p:nvSpPr>
+        <p:spPr>
+          <a:xfrm>
+            <a:off x="1644073" y="3766131"/>
+            <a:ext cx="674254" cy="482133"/>
+          </a:xfrm>
+          <a:prstGeom prst="cloud">
+            <a:avLst/>
+          </a:prstGeom>
+          <a:noFill/>
+        </p:spPr>
+        <p:style>
+          <a:lnRef idx="2">
+            <a:schemeClr val="accent1">
+              <a:shade val="15000"/>
+            </a:schemeClr>
+          </a:lnRef>
+          <a:fillRef idx="1">
+            <a:schemeClr val="accent1"/>
+          </a:fillRef>
+          <a:effectRef idx="0">
+            <a:schemeClr val="accent1"/>
+          </a:effectRef>
+          <a:fontRef idx="minor">
+            <a:schemeClr val="lt1"/>
+          </a:fontRef>
+        </p:style>
+        <p:txBody>
+          <a:bodyPr rtlCol="0" anchor="ctr"/>
+          <a:lstStyle/>
+          <a:p>
+            <a:pPr algn="ctr"/>
+            <a:r>
+              <a:rPr lang="ko-KR" altLang="en-US" sz="800" dirty="0">
+                <a:solidFill>
+                  <a:schemeClr val="tx1"/>
+                </a:solidFill>
+              </a:rPr>
+              <a:t>쓰기</a:t>
+            </a:r>
+          </a:p>
+        </p:txBody>
+      </p:sp>
+      <p:cxnSp>
+        <p:nvCxnSpPr>
+          <p:cNvPr id="27" name="직선 화살표 연결선 26">
+            <a:extLst>
+              <a:ext uri="{FF2B5EF4-FFF2-40B4-BE49-F238E27FC236}">
+                <a16:creationId xmlns:a16="http://schemas.microsoft.com/office/drawing/2014/main" id="{704D5931-C625-265E-68A1-093AD613811B}"/>
+              </a:ext>
+            </a:extLst>
+          </p:cNvPr>
+          <p:cNvCxnSpPr>
+            <a:stCxn id="23" idx="0"/>
+            <a:endCxn id="6" idx="1"/>
+          </p:cNvCxnSpPr>
+          <p:nvPr/>
+        </p:nvCxnSpPr>
+        <p:spPr>
+          <a:xfrm>
+            <a:off x="2317765" y="2568631"/>
+            <a:ext cx="1386017" cy="3289"/>
+          </a:xfrm>
+          <a:prstGeom prst="straightConnector1">
+            <a:avLst/>
+          </a:prstGeom>
+          <a:ln>
+            <a:tailEnd type="triangle"/>
+          </a:ln>
+        </p:spPr>
+        <p:style>
+          <a:lnRef idx="1">
+            <a:schemeClr val="accent1"/>
+          </a:lnRef>
+          <a:fillRef idx="0">
+            <a:schemeClr val="accent1"/>
+          </a:fillRef>
+          <a:effectRef idx="0">
+            <a:schemeClr val="accent1"/>
+          </a:effectRef>
+          <a:fontRef idx="minor">
+            <a:schemeClr val="tx1"/>
+          </a:fontRef>
+        </p:style>
+      </p:cxnSp>
+      <p:cxnSp>
+        <p:nvCxnSpPr>
+          <p:cNvPr id="28" name="직선 화살표 연결선 27">
+            <a:extLst>
+              <a:ext uri="{FF2B5EF4-FFF2-40B4-BE49-F238E27FC236}">
+                <a16:creationId xmlns:a16="http://schemas.microsoft.com/office/drawing/2014/main" id="{3F9392CB-FD3A-DEEB-1DE1-E6365FB21562}"/>
+              </a:ext>
+            </a:extLst>
+          </p:cNvPr>
+          <p:cNvCxnSpPr>
+            <a:cxnSpLocks/>
+            <a:stCxn id="25" idx="0"/>
+            <a:endCxn id="12" idx="1"/>
+          </p:cNvCxnSpPr>
+          <p:nvPr/>
+        </p:nvCxnSpPr>
+        <p:spPr>
+          <a:xfrm>
+            <a:off x="2317765" y="4007198"/>
+            <a:ext cx="1386017" cy="1"/>
+          </a:xfrm>
+          <a:prstGeom prst="straightConnector1">
+            <a:avLst/>
+          </a:prstGeom>
+          <a:ln>
+            <a:tailEnd type="triangle"/>
+          </a:ln>
+        </p:spPr>
+        <p:style>
+          <a:lnRef idx="1">
+            <a:schemeClr val="accent1"/>
+          </a:lnRef>
+          <a:fillRef idx="0">
+            <a:schemeClr val="accent1"/>
+          </a:fillRef>
+          <a:effectRef idx="0">
+            <a:schemeClr val="accent1"/>
+          </a:effectRef>
+          <a:fontRef idx="minor">
+            <a:schemeClr val="tx1"/>
+          </a:fontRef>
+        </p:style>
+      </p:cxnSp>
+      <p:sp>
+        <p:nvSpPr>
+          <p:cNvPr id="31" name="원통형 30">
+            <a:extLst>
+              <a:ext uri="{FF2B5EF4-FFF2-40B4-BE49-F238E27FC236}">
+                <a16:creationId xmlns:a16="http://schemas.microsoft.com/office/drawing/2014/main" id="{48D4B228-6CD9-CDB9-FEF8-D3B4C2E840BD}"/>
+              </a:ext>
+            </a:extLst>
+          </p:cNvPr>
+          <p:cNvSpPr/>
+          <p:nvPr/>
+        </p:nvSpPr>
+        <p:spPr>
+          <a:xfrm>
+            <a:off x="5569526" y="2303092"/>
+            <a:ext cx="905165" cy="531075"/>
+          </a:xfrm>
+          <a:prstGeom prst="can">
+            <a:avLst/>
+          </a:prstGeom>
+          <a:noFill/>
+        </p:spPr>
+        <p:style>
+          <a:lnRef idx="2">
+            <a:schemeClr val="accent1">
+              <a:shade val="15000"/>
+            </a:schemeClr>
+          </a:lnRef>
+          <a:fillRef idx="1">
+            <a:schemeClr val="accent1"/>
+          </a:fillRef>
+          <a:effectRef idx="0">
+            <a:schemeClr val="accent1"/>
+          </a:effectRef>
+          <a:fontRef idx="minor">
+            <a:schemeClr val="lt1"/>
+          </a:fontRef>
+        </p:style>
+        <p:txBody>
+          <a:bodyPr rtlCol="0" anchor="ctr"/>
+          <a:lstStyle/>
+          <a:p>
+            <a:pPr algn="ctr"/>
+            <a:r>
+              <a:rPr lang="ko-KR" altLang="en-US" sz="800" dirty="0">
+                <a:solidFill>
+                  <a:schemeClr val="tx1"/>
+                </a:solidFill>
+              </a:rPr>
+              <a:t>질의 저장소</a:t>
+            </a:r>
+          </a:p>
+        </p:txBody>
+      </p:sp>
+      <p:sp>
+        <p:nvSpPr>
+          <p:cNvPr id="32" name="원통형 31">
+            <a:extLst>
+              <a:ext uri="{FF2B5EF4-FFF2-40B4-BE49-F238E27FC236}">
+                <a16:creationId xmlns:a16="http://schemas.microsoft.com/office/drawing/2014/main" id="{06C9BB95-2597-DE75-EA2C-D36003789C4C}"/>
+              </a:ext>
+            </a:extLst>
+          </p:cNvPr>
+          <p:cNvSpPr/>
+          <p:nvPr/>
+        </p:nvSpPr>
+        <p:spPr>
+          <a:xfrm>
+            <a:off x="5569526" y="3736564"/>
+            <a:ext cx="905165" cy="531076"/>
+          </a:xfrm>
+          <a:prstGeom prst="can">
+            <a:avLst/>
+          </a:prstGeom>
+          <a:noFill/>
+        </p:spPr>
+        <p:style>
+          <a:lnRef idx="2">
+            <a:schemeClr val="accent1">
+              <a:shade val="15000"/>
+            </a:schemeClr>
+          </a:lnRef>
+          <a:fillRef idx="1">
+            <a:schemeClr val="accent1"/>
+          </a:fillRef>
+          <a:effectRef idx="0">
+            <a:schemeClr val="accent1"/>
+          </a:effectRef>
+          <a:fontRef idx="minor">
+            <a:schemeClr val="lt1"/>
+          </a:fontRef>
+        </p:style>
+        <p:txBody>
+          <a:bodyPr rtlCol="0" anchor="ctr"/>
+          <a:lstStyle/>
+          <a:p>
+            <a:pPr algn="ctr"/>
+            <a:r>
+              <a:rPr lang="ko-KR" altLang="en-US" sz="800" dirty="0">
+                <a:solidFill>
+                  <a:schemeClr val="tx1"/>
+                </a:solidFill>
+              </a:rPr>
+              <a:t>커맨드 저장소</a:t>
+            </a:r>
+          </a:p>
+        </p:txBody>
+      </p:sp>
+      <p:cxnSp>
+        <p:nvCxnSpPr>
+          <p:cNvPr id="33" name="직선 화살표 연결선 32">
+            <a:extLst>
+              <a:ext uri="{FF2B5EF4-FFF2-40B4-BE49-F238E27FC236}">
+                <a16:creationId xmlns:a16="http://schemas.microsoft.com/office/drawing/2014/main" id="{5F184396-229B-7F8E-EAEF-081C4B9DB9DF}"/>
+              </a:ext>
+            </a:extLst>
+          </p:cNvPr>
+          <p:cNvCxnSpPr>
+            <a:cxnSpLocks/>
+            <a:stCxn id="6" idx="3"/>
+            <a:endCxn id="31" idx="2"/>
+          </p:cNvCxnSpPr>
+          <p:nvPr/>
+        </p:nvCxnSpPr>
+        <p:spPr>
+          <a:xfrm flipV="1">
+            <a:off x="4682836" y="2568630"/>
+            <a:ext cx="886690" cy="3290"/>
+          </a:xfrm>
+          <a:prstGeom prst="straightConnector1">
+            <a:avLst/>
+          </a:prstGeom>
+          <a:ln>
+            <a:tailEnd type="triangle"/>
+          </a:ln>
+        </p:spPr>
+        <p:style>
+          <a:lnRef idx="1">
+            <a:schemeClr val="accent1"/>
+          </a:lnRef>
+          <a:fillRef idx="0">
+            <a:schemeClr val="accent1"/>
+          </a:fillRef>
+          <a:effectRef idx="0">
+            <a:schemeClr val="accent1"/>
+          </a:effectRef>
+          <a:fontRef idx="minor">
+            <a:schemeClr val="tx1"/>
+          </a:fontRef>
+        </p:style>
+      </p:cxnSp>
+      <p:cxnSp>
+        <p:nvCxnSpPr>
+          <p:cNvPr id="36" name="직선 화살표 연결선 35">
+            <a:extLst>
+              <a:ext uri="{FF2B5EF4-FFF2-40B4-BE49-F238E27FC236}">
+                <a16:creationId xmlns:a16="http://schemas.microsoft.com/office/drawing/2014/main" id="{0F714ECF-8D23-F513-401F-A444F50445D0}"/>
+              </a:ext>
+            </a:extLst>
+          </p:cNvPr>
+          <p:cNvCxnSpPr>
+            <a:cxnSpLocks/>
+            <a:stCxn id="7" idx="3"/>
+            <a:endCxn id="31" idx="2"/>
+          </p:cNvCxnSpPr>
+          <p:nvPr/>
+        </p:nvCxnSpPr>
+        <p:spPr>
+          <a:xfrm flipV="1">
+            <a:off x="4682836" y="2568630"/>
+            <a:ext cx="886690" cy="380085"/>
+          </a:xfrm>
+          <a:prstGeom prst="straightConnector1">
+            <a:avLst/>
+          </a:prstGeom>
+          <a:ln>
+            <a:tailEnd type="triangle"/>
+          </a:ln>
+        </p:spPr>
+        <p:style>
+          <a:lnRef idx="1">
+            <a:schemeClr val="accent1"/>
+          </a:lnRef>
+          <a:fillRef idx="0">
+            <a:schemeClr val="accent1"/>
+          </a:fillRef>
+          <a:effectRef idx="0">
+            <a:schemeClr val="accent1"/>
+          </a:effectRef>
+          <a:fontRef idx="minor">
+            <a:schemeClr val="tx1"/>
+          </a:fontRef>
+        </p:style>
+      </p:cxnSp>
+      <p:cxnSp>
+        <p:nvCxnSpPr>
+          <p:cNvPr id="39" name="직선 화살표 연결선 38">
+            <a:extLst>
+              <a:ext uri="{FF2B5EF4-FFF2-40B4-BE49-F238E27FC236}">
+                <a16:creationId xmlns:a16="http://schemas.microsoft.com/office/drawing/2014/main" id="{D08B073F-7DEA-32B0-EB91-DFB84BB0819D}"/>
+              </a:ext>
+            </a:extLst>
+          </p:cNvPr>
+          <p:cNvCxnSpPr>
+            <a:cxnSpLocks/>
+            <a:stCxn id="12" idx="3"/>
+            <a:endCxn id="32" idx="2"/>
+          </p:cNvCxnSpPr>
+          <p:nvPr/>
+        </p:nvCxnSpPr>
+        <p:spPr>
+          <a:xfrm flipV="1">
+            <a:off x="4682836" y="4002102"/>
+            <a:ext cx="886690" cy="5097"/>
+          </a:xfrm>
+          <a:prstGeom prst="straightConnector1">
+            <a:avLst/>
+          </a:prstGeom>
+          <a:ln>
+            <a:tailEnd type="triangle"/>
+          </a:ln>
+        </p:spPr>
+        <p:style>
+          <a:lnRef idx="1">
+            <a:schemeClr val="accent1"/>
+          </a:lnRef>
+          <a:fillRef idx="0">
+            <a:schemeClr val="accent1"/>
+          </a:fillRef>
+          <a:effectRef idx="0">
+            <a:schemeClr val="accent1"/>
+          </a:effectRef>
+          <a:fontRef idx="minor">
+            <a:schemeClr val="tx1"/>
+          </a:fontRef>
+        </p:style>
+      </p:cxnSp>
+      <p:sp>
+        <p:nvSpPr>
+          <p:cNvPr id="50" name="TextBox 49">
+            <a:extLst>
+              <a:ext uri="{FF2B5EF4-FFF2-40B4-BE49-F238E27FC236}">
+                <a16:creationId xmlns:a16="http://schemas.microsoft.com/office/drawing/2014/main" id="{13D93143-4D20-15AC-6024-3505E49B212D}"/>
+              </a:ext>
+            </a:extLst>
+          </p:cNvPr>
+          <p:cNvSpPr txBox="1"/>
+          <p:nvPr/>
+        </p:nvSpPr>
+        <p:spPr>
+          <a:xfrm>
+            <a:off x="4849091" y="2428987"/>
+            <a:ext cx="655782" cy="200055"/>
+          </a:xfrm>
+          <a:prstGeom prst="rect">
+            <a:avLst/>
+          </a:prstGeom>
+          <a:noFill/>
+        </p:spPr>
+        <p:txBody>
+          <a:bodyPr wrap="square">
+            <a:spAutoFit/>
+          </a:bodyPr>
+          <a:lstStyle/>
+          <a:p>
+            <a:r>
+              <a:rPr lang="ko-KR" altLang="en-US" sz="700" dirty="0">
+                <a:solidFill>
+                  <a:schemeClr val="tx1"/>
+                </a:solidFill>
+              </a:rPr>
+              <a:t>읽는다</a:t>
+            </a:r>
+            <a:endParaRPr lang="ko-KR" altLang="en-US" sz="700" dirty="0"/>
+          </a:p>
+        </p:txBody>
+      </p:sp>
+      <p:sp>
+        <p:nvSpPr>
+          <p:cNvPr id="51" name="TextBox 50">
+            <a:extLst>
+              <a:ext uri="{FF2B5EF4-FFF2-40B4-BE49-F238E27FC236}">
+                <a16:creationId xmlns:a16="http://schemas.microsoft.com/office/drawing/2014/main" id="{8C959663-711D-1244-5CFD-A20AE5D1A478}"/>
+              </a:ext>
+            </a:extLst>
+          </p:cNvPr>
+          <p:cNvSpPr txBox="1"/>
+          <p:nvPr/>
+        </p:nvSpPr>
+        <p:spPr>
+          <a:xfrm>
+            <a:off x="4807527" y="3868181"/>
+            <a:ext cx="655782" cy="200055"/>
+          </a:xfrm>
+          <a:prstGeom prst="rect">
+            <a:avLst/>
+          </a:prstGeom>
+          <a:noFill/>
+        </p:spPr>
+        <p:txBody>
+          <a:bodyPr wrap="square">
+            <a:spAutoFit/>
+          </a:bodyPr>
+          <a:lstStyle/>
+          <a:p>
+            <a:r>
+              <a:rPr lang="ko-KR" altLang="en-US" sz="700" dirty="0">
+                <a:solidFill>
+                  <a:schemeClr val="tx1"/>
+                </a:solidFill>
+              </a:rPr>
+              <a:t>갱신한다</a:t>
+            </a:r>
+            <a:endParaRPr lang="ko-KR" altLang="en-US" sz="700" dirty="0"/>
+          </a:p>
+        </p:txBody>
+      </p:sp>
+      <p:sp>
+        <p:nvSpPr>
+          <p:cNvPr id="52" name="TextBox 51">
+            <a:extLst>
+              <a:ext uri="{FF2B5EF4-FFF2-40B4-BE49-F238E27FC236}">
+                <a16:creationId xmlns:a16="http://schemas.microsoft.com/office/drawing/2014/main" id="{0CA006CC-62F0-E6A5-6418-12D918182904}"/>
+              </a:ext>
+            </a:extLst>
+          </p:cNvPr>
+          <p:cNvSpPr txBox="1"/>
+          <p:nvPr/>
+        </p:nvSpPr>
+        <p:spPr>
+          <a:xfrm>
+            <a:off x="4849091" y="2731570"/>
+            <a:ext cx="655782" cy="200055"/>
+          </a:xfrm>
+          <a:prstGeom prst="rect">
+            <a:avLst/>
+          </a:prstGeom>
+          <a:noFill/>
+        </p:spPr>
+        <p:txBody>
+          <a:bodyPr wrap="square">
+            <a:spAutoFit/>
+          </a:bodyPr>
+          <a:lstStyle/>
+          <a:p>
+            <a:r>
+              <a:rPr lang="ko-KR" altLang="en-US" sz="700" dirty="0">
+                <a:solidFill>
+                  <a:schemeClr val="tx1"/>
+                </a:solidFill>
+              </a:rPr>
+              <a:t>갱신한다</a:t>
+            </a:r>
+            <a:endParaRPr lang="ko-KR" altLang="en-US" sz="700" dirty="0"/>
+          </a:p>
+        </p:txBody>
+      </p:sp>
+      <p:sp>
+        <p:nvSpPr>
+          <p:cNvPr id="53" name="TextBox 52">
+            <a:extLst>
+              <a:ext uri="{FF2B5EF4-FFF2-40B4-BE49-F238E27FC236}">
+                <a16:creationId xmlns:a16="http://schemas.microsoft.com/office/drawing/2014/main" id="{9773E28B-074C-CAD1-B56D-99C4A0177D6B}"/>
+              </a:ext>
+            </a:extLst>
+          </p:cNvPr>
+          <p:cNvSpPr txBox="1"/>
+          <p:nvPr/>
+        </p:nvSpPr>
+        <p:spPr>
+          <a:xfrm>
+            <a:off x="382500" y="369455"/>
+            <a:ext cx="1797281" cy="276999"/>
+          </a:xfrm>
+          <a:prstGeom prst="rect">
+            <a:avLst/>
+          </a:prstGeom>
+          <a:noFill/>
+        </p:spPr>
+        <p:txBody>
+          <a:bodyPr wrap="square">
+            <a:spAutoFit/>
+          </a:bodyPr>
+          <a:lstStyle/>
+          <a:p>
+            <a:r>
+              <a:rPr lang="en-US" altLang="ko-KR" sz="1200" b="1" dirty="0"/>
+              <a:t>* CQRS</a:t>
+            </a:r>
+            <a:endParaRPr lang="ko-KR" altLang="en-US" sz="1200" b="1" dirty="0"/>
+          </a:p>
+        </p:txBody>
+      </p:sp>
+    </p:spTree>
+    <p:extLst>
+      <p:ext uri="{BB962C8B-B14F-4D97-AF65-F5344CB8AC3E}">
+        <p14:creationId xmlns:p14="http://schemas.microsoft.com/office/powerpoint/2010/main" val="958626760"/>
+      </p:ext>
+    </p:extLst>
+  </p:cSld>
+  <p:clrMapOvr>
+    <a:masterClrMapping/>
+  </p:clrMapOvr>
+</p:sld>
+</file>
+
 <file path=ppt/theme/theme1.xml><?xml version="1.0" encoding="utf-8"?>
 <a:theme xmlns:a="http://schemas.openxmlformats.org/drawingml/2006/main" name="Office 테마">
   <a:themeElements>
